--- a/docs/216025117_C_Mamogale_Alpha_Presentation.pptx
+++ b/docs/216025117_C_Mamogale_Alpha_Presentation.pptx
@@ -14,7 +14,8 @@
     <p:sldId id="263" r:id="rId8"/>
     <p:sldId id="264" r:id="rId9"/>
     <p:sldId id="265" r:id="rId10"/>
-    <p:sldId id="266" r:id="rId11"/>
+    <p:sldId id="267" r:id="rId11"/>
+    <p:sldId id="266" r:id="rId12"/>
   </p:sldIdLst>
   <p:sldSz cx="12192000" cy="6858000"/>
   <p:notesSz cx="6858000" cy="9144000"/>
@@ -4018,7 +4019,7 @@
           <a:p>
             <a:fld id="{7F5D7E8A-B7C9-464E-8003-B0962DAEDAF8}" type="datetimeFigureOut">
               <a:rPr lang="en-US" smtClean="0"/>
-              <a:t>29-Aug-22</a:t>
+              <a:t>07-Oct-22</a:t>
             </a:fld>
             <a:endParaRPr lang="en-US"/>
           </a:p>
@@ -4314,7 +4315,7 @@
           <a:p>
             <a:fld id="{7F5D7E8A-B7C9-464E-8003-B0962DAEDAF8}" type="datetimeFigureOut">
               <a:rPr lang="en-US" smtClean="0"/>
-              <a:t>29-Aug-22</a:t>
+              <a:t>07-Oct-22</a:t>
             </a:fld>
             <a:endParaRPr lang="en-US"/>
           </a:p>
@@ -4562,7 +4563,7 @@
           <a:p>
             <a:fld id="{7F5D7E8A-B7C9-464E-8003-B0962DAEDAF8}" type="datetimeFigureOut">
               <a:rPr lang="en-US" smtClean="0"/>
-              <a:t>29-Aug-22</a:t>
+              <a:t>07-Oct-22</a:t>
             </a:fld>
             <a:endParaRPr lang="en-US"/>
           </a:p>
@@ -5102,7 +5103,7 @@
           <a:p>
             <a:fld id="{7F5D7E8A-B7C9-464E-8003-B0962DAEDAF8}" type="datetimeFigureOut">
               <a:rPr lang="en-US" smtClean="0"/>
-              <a:t>29-Aug-22</a:t>
+              <a:t>07-Oct-22</a:t>
             </a:fld>
             <a:endParaRPr lang="en-US"/>
           </a:p>
@@ -5350,7 +5351,7 @@
           <a:p>
             <a:fld id="{7F5D7E8A-B7C9-464E-8003-B0962DAEDAF8}" type="datetimeFigureOut">
               <a:rPr lang="en-US" smtClean="0"/>
-              <a:t>29-Aug-22</a:t>
+              <a:t>07-Oct-22</a:t>
             </a:fld>
             <a:endParaRPr lang="en-US"/>
           </a:p>
@@ -5882,7 +5883,7 @@
           <a:p>
             <a:fld id="{7F5D7E8A-B7C9-464E-8003-B0962DAEDAF8}" type="datetimeFigureOut">
               <a:rPr lang="en-US" smtClean="0"/>
-              <a:t>29-Aug-22</a:t>
+              <a:t>07-Oct-22</a:t>
             </a:fld>
             <a:endParaRPr lang="en-US"/>
           </a:p>
@@ -6179,7 +6180,7 @@
           <a:p>
             <a:fld id="{7F5D7E8A-B7C9-464E-8003-B0962DAEDAF8}" type="datetimeFigureOut">
               <a:rPr lang="en-US" smtClean="0"/>
-              <a:t>29-Aug-22</a:t>
+              <a:t>07-Oct-22</a:t>
             </a:fld>
             <a:endParaRPr lang="en-US"/>
           </a:p>
@@ -6353,7 +6354,7 @@
           <a:p>
             <a:fld id="{7F5D7E8A-B7C9-464E-8003-B0962DAEDAF8}" type="datetimeFigureOut">
               <a:rPr lang="en-US" smtClean="0"/>
-              <a:t>29-Aug-22</a:t>
+              <a:t>07-Oct-22</a:t>
             </a:fld>
             <a:endParaRPr lang="en-US"/>
           </a:p>
@@ -6533,7 +6534,7 @@
           <a:p>
             <a:fld id="{7F5D7E8A-B7C9-464E-8003-B0962DAEDAF8}" type="datetimeFigureOut">
               <a:rPr lang="en-US" smtClean="0"/>
-              <a:t>29-Aug-22</a:t>
+              <a:t>07-Oct-22</a:t>
             </a:fld>
             <a:endParaRPr lang="en-US"/>
           </a:p>
@@ -6703,7 +6704,7 @@
           <a:p>
             <a:fld id="{7F5D7E8A-B7C9-464E-8003-B0962DAEDAF8}" type="datetimeFigureOut">
               <a:rPr lang="en-US" smtClean="0"/>
-              <a:t>29-Aug-22</a:t>
+              <a:t>07-Oct-22</a:t>
             </a:fld>
             <a:endParaRPr lang="en-US"/>
           </a:p>
@@ -6954,7 +6955,7 @@
           <a:p>
             <a:fld id="{7F5D7E8A-B7C9-464E-8003-B0962DAEDAF8}" type="datetimeFigureOut">
               <a:rPr lang="en-US" smtClean="0"/>
-              <a:t>29-Aug-22</a:t>
+              <a:t>07-Oct-22</a:t>
             </a:fld>
             <a:endParaRPr lang="en-US"/>
           </a:p>
@@ -7251,7 +7252,7 @@
           <a:p>
             <a:fld id="{7F5D7E8A-B7C9-464E-8003-B0962DAEDAF8}" type="datetimeFigureOut">
               <a:rPr lang="en-US" smtClean="0"/>
-              <a:t>29-Aug-22</a:t>
+              <a:t>07-Oct-22</a:t>
             </a:fld>
             <a:endParaRPr lang="en-US"/>
           </a:p>
@@ -7693,7 +7694,7 @@
           <a:p>
             <a:fld id="{7F5D7E8A-B7C9-464E-8003-B0962DAEDAF8}" type="datetimeFigureOut">
               <a:rPr lang="en-US" smtClean="0"/>
-              <a:t>29-Aug-22</a:t>
+              <a:t>07-Oct-22</a:t>
             </a:fld>
             <a:endParaRPr lang="en-US"/>
           </a:p>
@@ -7811,7 +7812,7 @@
           <a:p>
             <a:fld id="{7F5D7E8A-B7C9-464E-8003-B0962DAEDAF8}" type="datetimeFigureOut">
               <a:rPr lang="en-US" smtClean="0"/>
-              <a:t>29-Aug-22</a:t>
+              <a:t>07-Oct-22</a:t>
             </a:fld>
             <a:endParaRPr lang="en-US"/>
           </a:p>
@@ -7906,7 +7907,7 @@
           <a:p>
             <a:fld id="{7F5D7E8A-B7C9-464E-8003-B0962DAEDAF8}" type="datetimeFigureOut">
               <a:rPr lang="en-US" smtClean="0"/>
-              <a:t>29-Aug-22</a:t>
+              <a:t>07-Oct-22</a:t>
             </a:fld>
             <a:endParaRPr lang="en-US"/>
           </a:p>
@@ -8189,7 +8190,7 @@
           <a:p>
             <a:fld id="{7F5D7E8A-B7C9-464E-8003-B0962DAEDAF8}" type="datetimeFigureOut">
               <a:rPr lang="en-US" smtClean="0"/>
-              <a:t>29-Aug-22</a:t>
+              <a:t>07-Oct-22</a:t>
             </a:fld>
             <a:endParaRPr lang="en-US"/>
           </a:p>
@@ -8480,7 +8481,7 @@
           <a:p>
             <a:fld id="{7F5D7E8A-B7C9-464E-8003-B0962DAEDAF8}" type="datetimeFigureOut">
               <a:rPr lang="en-US" smtClean="0"/>
-              <a:t>29-Aug-22</a:t>
+              <a:t>07-Oct-22</a:t>
             </a:fld>
             <a:endParaRPr lang="en-US"/>
           </a:p>
@@ -9010,7 +9011,7 @@
           <a:p>
             <a:fld id="{7F5D7E8A-B7C9-464E-8003-B0962DAEDAF8}" type="datetimeFigureOut">
               <a:rPr lang="en-US" smtClean="0"/>
-              <a:t>29-Aug-22</a:t>
+              <a:t>07-Oct-22</a:t>
             </a:fld>
             <a:endParaRPr lang="en-US"/>
           </a:p>
@@ -9892,6 +9893,364 @@
           <p:cNvPr id="2" name="Title 1">
             <a:extLst>
               <a:ext uri="{FF2B5EF4-FFF2-40B4-BE49-F238E27FC236}">
+                <a16:creationId xmlns:a16="http://schemas.microsoft.com/office/drawing/2014/main" id="{DC97AD87-1E2E-DB3D-86C7-7C3D24F566DB}"/>
+              </a:ext>
+            </a:extLst>
+          </p:cNvPr>
+          <p:cNvSpPr>
+            <a:spLocks noGrp="1"/>
+          </p:cNvSpPr>
+          <p:nvPr>
+            <p:ph type="title"/>
+          </p:nvPr>
+        </p:nvSpPr>
+        <p:spPr>
+          <a:xfrm>
+            <a:off x="1484312" y="176463"/>
+            <a:ext cx="10018711" cy="1106905"/>
+          </a:xfrm>
+        </p:spPr>
+        <p:txBody>
+          <a:bodyPr>
+            <a:normAutofit/>
+          </a:bodyPr>
+          <a:lstStyle/>
+          <a:p>
+            <a:r>
+              <a:rPr lang="en-US" sz="4000" dirty="0"/>
+              <a:t>Technologies used</a:t>
+            </a:r>
+          </a:p>
+        </p:txBody>
+      </p:sp>
+      <p:sp>
+        <p:nvSpPr>
+          <p:cNvPr id="3" name="Text Placeholder 2">
+            <a:extLst>
+              <a:ext uri="{FF2B5EF4-FFF2-40B4-BE49-F238E27FC236}">
+                <a16:creationId xmlns:a16="http://schemas.microsoft.com/office/drawing/2014/main" id="{D5965BB0-BADB-E813-222B-BC8D3E8CDA46}"/>
+              </a:ext>
+            </a:extLst>
+          </p:cNvPr>
+          <p:cNvSpPr>
+            <a:spLocks noGrp="1"/>
+          </p:cNvSpPr>
+          <p:nvPr>
+            <p:ph type="body" idx="1"/>
+          </p:nvPr>
+        </p:nvSpPr>
+        <p:spPr>
+          <a:xfrm>
+            <a:off x="1484312" y="1283367"/>
+            <a:ext cx="10018713" cy="5277853"/>
+          </a:xfrm>
+        </p:spPr>
+        <p:txBody>
+          <a:bodyPr/>
+          <a:lstStyle/>
+          <a:p>
+            <a:endParaRPr lang="en-US" dirty="0"/>
+          </a:p>
+        </p:txBody>
+      </p:sp>
+      <p:pic>
+        <p:nvPicPr>
+          <p:cNvPr id="5" name="Picture 4" descr="A picture containing text, clipart&#10;&#10;Description automatically generated">
+            <a:extLst>
+              <a:ext uri="{FF2B5EF4-FFF2-40B4-BE49-F238E27FC236}">
+                <a16:creationId xmlns:a16="http://schemas.microsoft.com/office/drawing/2014/main" id="{FFD2CBD9-CF90-900F-A7B8-4B4B33063A0F}"/>
+              </a:ext>
+            </a:extLst>
+          </p:cNvPr>
+          <p:cNvPicPr>
+            <a:picLocks noChangeAspect="1"/>
+          </p:cNvPicPr>
+          <p:nvPr/>
+        </p:nvPicPr>
+        <p:blipFill>
+          <a:blip r:embed="rId2">
+            <a:extLst>
+              <a:ext uri="{28A0092B-C50C-407E-A947-70E740481C1C}">
+                <a14:useLocalDpi xmlns:a14="http://schemas.microsoft.com/office/drawing/2010/main" val="0"/>
+              </a:ext>
+            </a:extLst>
+          </a:blip>
+          <a:stretch>
+            <a:fillRect/>
+          </a:stretch>
+        </p:blipFill>
+        <p:spPr>
+          <a:xfrm>
+            <a:off x="2559842" y="1552302"/>
+            <a:ext cx="3933825" cy="1162050"/>
+          </a:xfrm>
+          <a:prstGeom prst="rect">
+            <a:avLst/>
+          </a:prstGeom>
+        </p:spPr>
+      </p:pic>
+      <p:pic>
+        <p:nvPicPr>
+          <p:cNvPr id="7" name="Picture 6" descr="Text&#10;&#10;Description automatically generated with medium confidence">
+            <a:extLst>
+              <a:ext uri="{FF2B5EF4-FFF2-40B4-BE49-F238E27FC236}">
+                <a16:creationId xmlns:a16="http://schemas.microsoft.com/office/drawing/2014/main" id="{D5DA9062-A685-D622-4209-B2B3B3F0D193}"/>
+              </a:ext>
+            </a:extLst>
+          </p:cNvPr>
+          <p:cNvPicPr>
+            <a:picLocks noChangeAspect="1"/>
+          </p:cNvPicPr>
+          <p:nvPr/>
+        </p:nvPicPr>
+        <p:blipFill>
+          <a:blip r:embed="rId3">
+            <a:extLst>
+              <a:ext uri="{28A0092B-C50C-407E-A947-70E740481C1C}">
+                <a14:useLocalDpi xmlns:a14="http://schemas.microsoft.com/office/drawing/2010/main" val="0"/>
+              </a:ext>
+            </a:extLst>
+          </a:blip>
+          <a:stretch>
+            <a:fillRect/>
+          </a:stretch>
+        </p:blipFill>
+        <p:spPr>
+          <a:xfrm>
+            <a:off x="7569197" y="1466577"/>
+            <a:ext cx="3419475" cy="1333500"/>
+          </a:xfrm>
+          <a:prstGeom prst="rect">
+            <a:avLst/>
+          </a:prstGeom>
+        </p:spPr>
+      </p:pic>
+      <p:pic>
+        <p:nvPicPr>
+          <p:cNvPr id="9" name="Picture 8">
+            <a:extLst>
+              <a:ext uri="{FF2B5EF4-FFF2-40B4-BE49-F238E27FC236}">
+                <a16:creationId xmlns:a16="http://schemas.microsoft.com/office/drawing/2014/main" id="{BB5A2DEE-F755-D2DA-255D-15A4F8FE729A}"/>
+              </a:ext>
+            </a:extLst>
+          </p:cNvPr>
+          <p:cNvPicPr>
+            <a:picLocks noChangeAspect="1"/>
+          </p:cNvPicPr>
+          <p:nvPr/>
+        </p:nvPicPr>
+        <p:blipFill>
+          <a:blip r:embed="rId4">
+            <a:extLst>
+              <a:ext uri="{28A0092B-C50C-407E-A947-70E740481C1C}">
+                <a14:useLocalDpi xmlns:a14="http://schemas.microsoft.com/office/drawing/2010/main" val="0"/>
+              </a:ext>
+            </a:extLst>
+          </a:blip>
+          <a:stretch>
+            <a:fillRect/>
+          </a:stretch>
+        </p:blipFill>
+        <p:spPr>
+          <a:xfrm>
+            <a:off x="4268132" y="2983286"/>
+            <a:ext cx="2143125" cy="2143125"/>
+          </a:xfrm>
+          <a:prstGeom prst="rect">
+            <a:avLst/>
+          </a:prstGeom>
+        </p:spPr>
+      </p:pic>
+      <p:pic>
+        <p:nvPicPr>
+          <p:cNvPr id="11" name="Picture 10">
+            <a:extLst>
+              <a:ext uri="{FF2B5EF4-FFF2-40B4-BE49-F238E27FC236}">
+                <a16:creationId xmlns:a16="http://schemas.microsoft.com/office/drawing/2014/main" id="{6E1D668E-FC20-9E0F-8709-9F4F895B1CD6}"/>
+              </a:ext>
+            </a:extLst>
+          </p:cNvPr>
+          <p:cNvPicPr>
+            <a:picLocks noChangeAspect="1"/>
+          </p:cNvPicPr>
+          <p:nvPr/>
+        </p:nvPicPr>
+        <p:blipFill>
+          <a:blip r:embed="rId5">
+            <a:extLst>
+              <a:ext uri="{28A0092B-C50C-407E-A947-70E740481C1C}">
+                <a14:useLocalDpi xmlns:a14="http://schemas.microsoft.com/office/drawing/2010/main" val="0"/>
+              </a:ext>
+            </a:extLst>
+          </a:blip>
+          <a:stretch>
+            <a:fillRect/>
+          </a:stretch>
+        </p:blipFill>
+        <p:spPr>
+          <a:xfrm>
+            <a:off x="6794063" y="3537284"/>
+            <a:ext cx="2143125" cy="2143125"/>
+          </a:xfrm>
+          <a:prstGeom prst="rect">
+            <a:avLst/>
+          </a:prstGeom>
+        </p:spPr>
+      </p:pic>
+      <p:pic>
+        <p:nvPicPr>
+          <p:cNvPr id="13" name="Picture 12" descr="Icon&#10;&#10;Description automatically generated">
+            <a:extLst>
+              <a:ext uri="{FF2B5EF4-FFF2-40B4-BE49-F238E27FC236}">
+                <a16:creationId xmlns:a16="http://schemas.microsoft.com/office/drawing/2014/main" id="{66CE12BC-3225-FCCD-914B-7AC99756EEEF}"/>
+              </a:ext>
+            </a:extLst>
+          </p:cNvPr>
+          <p:cNvPicPr>
+            <a:picLocks noChangeAspect="1"/>
+          </p:cNvPicPr>
+          <p:nvPr/>
+        </p:nvPicPr>
+        <p:blipFill>
+          <a:blip r:embed="rId6">
+            <a:extLst>
+              <a:ext uri="{28A0092B-C50C-407E-A947-70E740481C1C}">
+                <a14:useLocalDpi xmlns:a14="http://schemas.microsoft.com/office/drawing/2010/main" val="0"/>
+              </a:ext>
+            </a:extLst>
+          </a:blip>
+          <a:stretch>
+            <a:fillRect/>
+          </a:stretch>
+        </p:blipFill>
+        <p:spPr>
+          <a:xfrm>
+            <a:off x="9319994" y="3194522"/>
+            <a:ext cx="1800225" cy="2543175"/>
+          </a:xfrm>
+          <a:prstGeom prst="rect">
+            <a:avLst/>
+          </a:prstGeom>
+        </p:spPr>
+      </p:pic>
+      <p:pic>
+        <p:nvPicPr>
+          <p:cNvPr id="15" name="Picture 14">
+            <a:extLst>
+              <a:ext uri="{FF2B5EF4-FFF2-40B4-BE49-F238E27FC236}">
+                <a16:creationId xmlns:a16="http://schemas.microsoft.com/office/drawing/2014/main" id="{46D20DDA-71EF-BEDD-BE06-71E95CD52E40}"/>
+              </a:ext>
+            </a:extLst>
+          </p:cNvPr>
+          <p:cNvPicPr>
+            <a:picLocks noChangeAspect="1"/>
+          </p:cNvPicPr>
+          <p:nvPr/>
+        </p:nvPicPr>
+        <p:blipFill>
+          <a:blip r:embed="rId7">
+            <a:extLst>
+              <a:ext uri="{28A0092B-C50C-407E-A947-70E740481C1C}">
+                <a14:useLocalDpi xmlns:a14="http://schemas.microsoft.com/office/drawing/2010/main" val="0"/>
+              </a:ext>
+            </a:extLst>
+          </a:blip>
+          <a:stretch>
+            <a:fillRect/>
+          </a:stretch>
+        </p:blipFill>
+        <p:spPr>
+          <a:xfrm>
+            <a:off x="1823164" y="2870807"/>
+            <a:ext cx="1981200" cy="2305050"/>
+          </a:xfrm>
+          <a:prstGeom prst="rect">
+            <a:avLst/>
+          </a:prstGeom>
+        </p:spPr>
+      </p:pic>
+      <p:sp>
+        <p:nvSpPr>
+          <p:cNvPr id="6" name="TextBox 5">
+            <a:extLst>
+              <a:ext uri="{FF2B5EF4-FFF2-40B4-BE49-F238E27FC236}">
+                <a16:creationId xmlns:a16="http://schemas.microsoft.com/office/drawing/2014/main" id="{B9FCA4A1-A96E-0C6F-3E62-F8923FC779F5}"/>
+              </a:ext>
+            </a:extLst>
+          </p:cNvPr>
+          <p:cNvSpPr txBox="1"/>
+          <p:nvPr/>
+        </p:nvSpPr>
+        <p:spPr>
+          <a:xfrm>
+            <a:off x="2037348" y="5851039"/>
+            <a:ext cx="6096000" cy="477054"/>
+          </a:xfrm>
+          <a:prstGeom prst="rect">
+            <a:avLst/>
+          </a:prstGeom>
+          <a:noFill/>
+        </p:spPr>
+        <p:txBody>
+          <a:bodyPr wrap="square">
+            <a:spAutoFit/>
+          </a:bodyPr>
+          <a:lstStyle/>
+          <a:p>
+            <a:r>
+              <a:rPr lang="en-US" sz="2500" b="1" dirty="0" err="1"/>
+              <a:t>Numpy</a:t>
+            </a:r>
+            <a:r>
+              <a:rPr lang="en-US" sz="2500" b="1" dirty="0"/>
+              <a:t>, </a:t>
+            </a:r>
+            <a:r>
+              <a:rPr lang="en-US" sz="2500" b="1" dirty="0" err="1"/>
+              <a:t>SKLearn</a:t>
+            </a:r>
+            <a:r>
+              <a:rPr lang="en-US" sz="2500" b="1" dirty="0"/>
+              <a:t>, and Matplotlib</a:t>
+            </a:r>
+          </a:p>
+        </p:txBody>
+      </p:sp>
+    </p:spTree>
+    <p:extLst>
+      <p:ext uri="{BB962C8B-B14F-4D97-AF65-F5344CB8AC3E}">
+        <p14:creationId xmlns:p14="http://schemas.microsoft.com/office/powerpoint/2010/main" val="151425864"/>
+      </p:ext>
+    </p:extLst>
+  </p:cSld>
+  <p:clrMapOvr>
+    <a:masterClrMapping/>
+  </p:clrMapOvr>
+</p:sld>
+</file>
+
+<file path=ppt/slides/slide11.xml><?xml version="1.0" encoding="utf-8"?>
+<p:sld xmlns:a="http://schemas.openxmlformats.org/drawingml/2006/main" xmlns:r="http://schemas.openxmlformats.org/officeDocument/2006/relationships" xmlns:p="http://schemas.openxmlformats.org/presentationml/2006/main">
+  <p:cSld>
+    <p:spTree>
+      <p:nvGrpSpPr>
+        <p:cNvPr id="1" name=""/>
+        <p:cNvGrpSpPr/>
+        <p:nvPr/>
+      </p:nvGrpSpPr>
+      <p:grpSpPr>
+        <a:xfrm>
+          <a:off x="0" y="0"/>
+          <a:ext cx="0" cy="0"/>
+          <a:chOff x="0" y="0"/>
+          <a:chExt cx="0" cy="0"/>
+        </a:xfrm>
+      </p:grpSpPr>
+      <p:sp>
+        <p:nvSpPr>
+          <p:cNvPr id="2" name="Title 1">
+            <a:extLst>
+              <a:ext uri="{FF2B5EF4-FFF2-40B4-BE49-F238E27FC236}">
                 <a16:creationId xmlns:a16="http://schemas.microsoft.com/office/drawing/2014/main" id="{8C749718-AD6D-7201-6744-98DD0A1CDAF0}"/>
               </a:ext>
             </a:extLst>
@@ -11327,7 +11686,7 @@
             <p:ph idx="1"/>
             <p:extLst>
               <p:ext uri="{D42A27DB-BD31-4B8C-83A1-F6EECF244321}">
-                <p14:modId xmlns:p14="http://schemas.microsoft.com/office/powerpoint/2010/main" val="3652261208"/>
+                <p14:modId xmlns:p14="http://schemas.microsoft.com/office/powerpoint/2010/main" val="3176259374"/>
               </p:ext>
             </p:extLst>
           </p:nvPr>
@@ -11859,10 +12218,10 @@
                         </a:spcAft>
                       </a:pPr>
                       <a:r>
-                        <a:rPr lang="en-US" sz="2400" dirty="0">
+                        <a:rPr lang="en-US" sz="2400">
                           <a:effectLst/>
                         </a:rPr>
-                        <a:t>N/A</a:t>
+                        <a:t>~93.09</a:t>
                       </a:r>
                       <a:endParaRPr lang="en-US" sz="2400" dirty="0">
                         <a:effectLst/>
